--- a/Docs/Introducing accessEQ.pptx
+++ b/Docs/Introducing accessEQ.pptx
@@ -3915,7 +3915,7 @@
                 </a:solidFill>
                 <a:latin typeface="Public Sans Thin"/>
               </a:rPr>
-              <a:t> provides 5 different types of EQ, all for the purpose of enhancing audio, and to specifically improve speech intelligibility.</a:t>
+              <a:t> provides 5 different types of EQ, all for the purpose of enhancing audio, and specifically to improve speech intelligibility.</a:t>
             </a:r>
           </a:p>
         </p:txBody>
@@ -6728,7 +6728,7 @@
                 </a:solidFill>
                 <a:latin typeface="Public Sans"/>
               </a:rPr>
-              <a:t>dissastified users, why?</a:t>
+              <a:t>dissatisfied users, why?</a:t>
             </a:r>
           </a:p>
           <a:p>
@@ -10948,7 +10948,7 @@
                 </a:solidFill>
                 <a:latin typeface="Public Sans Thin"/>
               </a:rPr>
-              <a:t> to confirm registration was successfull, run</a:t>
+              <a:t> to confirm registration was successful, run</a:t>
             </a:r>
             <a:r>
               <a:rPr lang="en-US" sz="2091">
@@ -11102,7 +11102,7 @@
                 </a:solidFill>
                 <a:latin typeface="Public Sans Thin"/>
               </a:rPr>
-              <a:t> is not being run as an app, it can still function as a plugin with 3rd party hosting apps. There are 2 types of hosting apps:</a:t>
+              <a:t> is not being run as an app, it can still function as a plugin with 3rd party hosting apps. There are 2 types of hosting apps.</a:t>
             </a:r>
           </a:p>
           <a:p>

--- a/Docs/Introducing accessEQ.pptx
+++ b/Docs/Introducing accessEQ.pptx
@@ -30,25 +30,26 @@
     <p:sldId id="278" r:id="rId28"/>
     <p:sldId id="279" r:id="rId29"/>
     <p:sldId id="280" r:id="rId30"/>
+    <p:sldId id="281" r:id="rId31"/>
   </p:sldIdLst>
   <p:sldSz cx="9753600" cy="7315200"/>
   <p:notesSz cx="6858000" cy="9144000"/>
   <p:embeddedFontLst>
     <p:embeddedFont>
       <p:font typeface="Public Sans" charset="1" panose="00000000000000000000"/>
-      <p:regular r:id="rId31"/>
+      <p:regular r:id="rId32"/>
     </p:embeddedFont>
     <p:embeddedFont>
       <p:font typeface="Public Sans Thin" charset="1" panose="00000000000000000000"/>
-      <p:regular r:id="rId32"/>
+      <p:regular r:id="rId33"/>
     </p:embeddedFont>
     <p:embeddedFont>
       <p:font typeface="Public Sans Bold" charset="1" panose="00000000000000000000"/>
-      <p:regular r:id="rId33"/>
+      <p:regular r:id="rId34"/>
     </p:embeddedFont>
     <p:embeddedFont>
       <p:font typeface="Public Sans Thin Italics" charset="1" panose="00000000000000000000"/>
-      <p:regular r:id="rId34"/>
+      <p:regular r:id="rId35"/>
     </p:embeddedFont>
   </p:embeddedFontLst>
   <p:defaultTextStyle>
@@ -3290,6 +3291,201 @@
       </p:grpSpPr>
       <p:sp>
         <p:nvSpPr>
+          <p:cNvPr name="Freeform 2" id="2"/>
+          <p:cNvSpPr/>
+          <p:nvPr/>
+        </p:nvSpPr>
+        <p:spPr>
+          <a:xfrm flipH="false" flipV="false" rot="0">
+            <a:off x="3516419" y="2509775"/>
+            <a:ext cx="6020618" cy="1043776"/>
+          </a:xfrm>
+          <a:custGeom>
+            <a:avLst/>
+            <a:gdLst/>
+            <a:ahLst/>
+            <a:cxnLst/>
+            <a:rect r="r" b="b" t="t" l="l"/>
+            <a:pathLst>
+              <a:path h="1043776" w="6020618">
+                <a:moveTo>
+                  <a:pt x="0" y="0"/>
+                </a:moveTo>
+                <a:lnTo>
+                  <a:pt x="6020619" y="0"/>
+                </a:lnTo>
+                <a:lnTo>
+                  <a:pt x="6020619" y="1043775"/>
+                </a:lnTo>
+                <a:lnTo>
+                  <a:pt x="0" y="1043775"/>
+                </a:lnTo>
+                <a:lnTo>
+                  <a:pt x="0" y="0"/>
+                </a:lnTo>
+                <a:close/>
+              </a:path>
+            </a:pathLst>
+          </a:custGeom>
+          <a:blipFill>
+            <a:blip r:embed="rId2"/>
+            <a:stretch>
+              <a:fillRect l="0" t="0" r="0" b="0"/>
+            </a:stretch>
+          </a:blipFill>
+        </p:spPr>
+      </p:sp>
+      <p:sp>
+        <p:nvSpPr>
+          <p:cNvPr name="TextBox 3" id="3"/>
+          <p:cNvSpPr txBox="true"/>
+          <p:nvPr/>
+        </p:nvSpPr>
+        <p:spPr>
+          <a:xfrm rot="0">
+            <a:off x="0" y="860355"/>
+            <a:ext cx="8521080" cy="1047750"/>
+          </a:xfrm>
+          <a:prstGeom prst="rect">
+            <a:avLst/>
+          </a:prstGeom>
+        </p:spPr>
+        <p:txBody>
+          <a:bodyPr anchor="t" rtlCol="false" tIns="0" lIns="0" bIns="0" rIns="0">
+            <a:spAutoFit/>
+          </a:bodyPr>
+          <a:lstStyle/>
+          <a:p>
+            <a:pPr algn="l">
+              <a:lnSpc>
+                <a:spcPts val="4106"/>
+              </a:lnSpc>
+            </a:pPr>
+          </a:p>
+          <a:p>
+            <a:pPr algn="l" marL="738852" indent="-369426" lvl="1">
+              <a:lnSpc>
+                <a:spcPts val="4106"/>
+              </a:lnSpc>
+              <a:buFont typeface="Arial"/>
+              <a:buChar char="•"/>
+            </a:pPr>
+            <a:r>
+              <a:rPr lang="en-US" sz="3422">
+                <a:solidFill>
+                  <a:srgbClr val="111111"/>
+                </a:solidFill>
+                <a:latin typeface="Public Sans Thin"/>
+              </a:rPr>
+              <a:t>Enable  </a:t>
+            </a:r>
+            <a:r>
+              <a:rPr lang="en-US" sz="3422">
+                <a:solidFill>
+                  <a:srgbClr val="111111"/>
+                </a:solidFill>
+                <a:latin typeface="Public Sans Bold"/>
+              </a:rPr>
+              <a:t>accessEQ:</a:t>
+            </a:r>
+            <a:r>
+              <a:rPr lang="en-US" sz="3422">
+                <a:solidFill>
+                  <a:srgbClr val="111111"/>
+                </a:solidFill>
+                <a:latin typeface="Public Sans Thin"/>
+              </a:rPr>
+              <a:t> 2024A</a:t>
+            </a:r>
+          </a:p>
+        </p:txBody>
+      </p:sp>
+      <p:sp>
+        <p:nvSpPr>
+          <p:cNvPr name="TextBox 4" id="4"/>
+          <p:cNvSpPr txBox="true"/>
+          <p:nvPr/>
+        </p:nvSpPr>
+        <p:spPr>
+          <a:xfrm rot="0">
+            <a:off x="-933469" y="-85725"/>
+            <a:ext cx="9196677" cy="722538"/>
+          </a:xfrm>
+          <a:prstGeom prst="rect">
+            <a:avLst/>
+          </a:prstGeom>
+        </p:spPr>
+        <p:txBody>
+          <a:bodyPr anchor="t" rtlCol="false" tIns="0" lIns="0" bIns="0" rIns="0">
+            <a:spAutoFit/>
+          </a:bodyPr>
+          <a:lstStyle/>
+          <a:p>
+            <a:pPr algn="ctr">
+              <a:lnSpc>
+                <a:spcPts val="5850"/>
+              </a:lnSpc>
+              <a:spcBef>
+                <a:spcPct val="0"/>
+              </a:spcBef>
+            </a:pPr>
+            <a:r>
+              <a:rPr lang="en-US" sz="4178">
+                <a:solidFill>
+                  <a:srgbClr val="111111"/>
+                </a:solidFill>
+                <a:latin typeface="Public Sans"/>
+              </a:rPr>
+              <a:t>Using</a:t>
+            </a:r>
+            <a:r>
+              <a:rPr lang="en-US" sz="4178">
+                <a:solidFill>
+                  <a:srgbClr val="111111"/>
+                </a:solidFill>
+                <a:latin typeface="Public Sans Bold"/>
+              </a:rPr>
+              <a:t> accessEQ </a:t>
+            </a:r>
+            <a:r>
+              <a:rPr lang="en-US" sz="4178">
+                <a:solidFill>
+                  <a:srgbClr val="111111"/>
+                </a:solidFill>
+                <a:latin typeface="Public Sans"/>
+              </a:rPr>
+              <a:t>with eqMAC</a:t>
+            </a:r>
+          </a:p>
+        </p:txBody>
+      </p:sp>
+    </p:spTree>
+  </p:cSld>
+  <p:clrMapOvr>
+    <a:masterClrMapping/>
+  </p:clrMapOvr>
+</p:sld>
+</file>
+
+<file path=ppt/slides/slide11.xml><?xml version="1.0" encoding="utf-8"?>
+<p:sld xmlns:p="http://schemas.openxmlformats.org/presentationml/2006/main" xmlns:a="http://schemas.openxmlformats.org/drawingml/2006/main" xmlns:r="http://schemas.openxmlformats.org/officeDocument/2006/relationships">
+  <p:cSld>
+    <p:spTree>
+      <p:nvGrpSpPr>
+        <p:cNvPr id="1" name=""/>
+        <p:cNvGrpSpPr/>
+        <p:nvPr/>
+      </p:nvGrpSpPr>
+      <p:grpSpPr>
+        <a:xfrm>
+          <a:off x="0" y="0"/>
+          <a:ext cx="0" cy="0"/>
+          <a:chOff x="0" y="0"/>
+          <a:chExt cx="0" cy="0"/>
+        </a:xfrm>
+      </p:grpSpPr>
+      <p:sp>
+        <p:nvSpPr>
           <p:cNvPr name="TextBox 2" id="2"/>
           <p:cNvSpPr txBox="true"/>
           <p:nvPr/>
@@ -3853,7 +4049,7 @@
 </p:sld>
 </file>
 
-<file path=ppt/slides/slide11.xml><?xml version="1.0" encoding="utf-8"?>
+<file path=ppt/slides/slide12.xml><?xml version="1.0" encoding="utf-8"?>
 <p:sld xmlns:p="http://schemas.openxmlformats.org/presentationml/2006/main" xmlns:a="http://schemas.openxmlformats.org/drawingml/2006/main">
   <p:cSld>
     <p:spTree>
@@ -3969,7 +4165,7 @@
 </p:sld>
 </file>
 
-<file path=ppt/slides/slide12.xml><?xml version="1.0" encoding="utf-8"?>
+<file path=ppt/slides/slide13.xml><?xml version="1.0" encoding="utf-8"?>
 <p:sld xmlns:p="http://schemas.openxmlformats.org/presentationml/2006/main" xmlns:a="http://schemas.openxmlformats.org/drawingml/2006/main" xmlns:r="http://schemas.openxmlformats.org/officeDocument/2006/relationships">
   <p:cSld>
     <p:spTree>
@@ -3988,28 +4184,7 @@
       </p:grpSpPr>
       <p:sp>
         <p:nvSpPr>
-          <p:cNvPr name="AutoShape 2" id="2"/>
-          <p:cNvSpPr/>
-          <p:nvPr/>
-        </p:nvSpPr>
-        <p:spPr>
-          <a:xfrm rot="0">
-            <a:off x="0" y="914400"/>
-            <a:ext cx="4329962" cy="5486400"/>
-          </a:xfrm>
-          <a:prstGeom prst="rect">
-            <a:avLst/>
-          </a:prstGeom>
-          <a:solidFill>
-            <a:srgbClr val="25293C">
-              <a:alpha val="3922"/>
-            </a:srgbClr>
-          </a:solidFill>
-        </p:spPr>
-      </p:sp>
-      <p:sp>
-        <p:nvSpPr>
-          <p:cNvPr name="Freeform 3" id="3"/>
+          <p:cNvPr name="Freeform 2" id="2"/>
           <p:cNvSpPr/>
           <p:nvPr/>
         </p:nvSpPr>
@@ -4055,7 +4230,7 @@
       </p:sp>
       <p:sp>
         <p:nvSpPr>
-          <p:cNvPr name="TextBox 4" id="4"/>
+          <p:cNvPr name="TextBox 3" id="3"/>
           <p:cNvSpPr txBox="true"/>
           <p:nvPr/>
         </p:nvSpPr>
@@ -4123,7 +4298,7 @@
       </p:sp>
       <p:sp>
         <p:nvSpPr>
-          <p:cNvPr name="TextBox 5" id="5"/>
+          <p:cNvPr name="TextBox 4" id="4"/>
           <p:cNvSpPr txBox="true"/>
           <p:nvPr/>
         </p:nvSpPr>
@@ -4164,7 +4339,7 @@
       </p:sp>
       <p:sp>
         <p:nvSpPr>
-          <p:cNvPr name="TextBox 6" id="6"/>
+          <p:cNvPr name="TextBox 5" id="5"/>
           <p:cNvSpPr txBox="true"/>
           <p:nvPr/>
         </p:nvSpPr>
@@ -4246,7 +4421,7 @@
       </p:sp>
       <p:sp>
         <p:nvSpPr>
-          <p:cNvPr name="Freeform 7" id="7"/>
+          <p:cNvPr name="Freeform 6" id="6"/>
           <p:cNvSpPr/>
           <p:nvPr/>
         </p:nvSpPr>
@@ -4298,7 +4473,7 @@
 </p:sld>
 </file>
 
-<file path=ppt/slides/slide13.xml><?xml version="1.0" encoding="utf-8"?>
+<file path=ppt/slides/slide14.xml><?xml version="1.0" encoding="utf-8"?>
 <p:sld xmlns:p="http://schemas.openxmlformats.org/presentationml/2006/main" xmlns:a="http://schemas.openxmlformats.org/drawingml/2006/main" xmlns:r="http://schemas.openxmlformats.org/officeDocument/2006/relationships">
   <p:cSld>
     <p:spTree>
@@ -4506,7 +4681,7 @@
 </p:sld>
 </file>
 
-<file path=ppt/slides/slide14.xml><?xml version="1.0" encoding="utf-8"?>
+<file path=ppt/slides/slide15.xml><?xml version="1.0" encoding="utf-8"?>
 <p:sld xmlns:p="http://schemas.openxmlformats.org/presentationml/2006/main" xmlns:a="http://schemas.openxmlformats.org/drawingml/2006/main">
   <p:cSld>
     <p:spTree>
@@ -4525,34 +4700,13 @@
       </p:grpSpPr>
       <p:sp>
         <p:nvSpPr>
-          <p:cNvPr name="AutoShape 2" id="2"/>
-          <p:cNvSpPr/>
+          <p:cNvPr name="TextBox 2" id="2"/>
+          <p:cNvSpPr txBox="true"/>
           <p:nvPr/>
         </p:nvSpPr>
         <p:spPr>
           <a:xfrm rot="0">
-            <a:off x="0" y="914400"/>
-            <a:ext cx="4329962" cy="5486400"/>
-          </a:xfrm>
-          <a:prstGeom prst="rect">
-            <a:avLst/>
-          </a:prstGeom>
-          <a:solidFill>
-            <a:srgbClr val="25293C">
-              <a:alpha val="3922"/>
-            </a:srgbClr>
-          </a:solidFill>
-        </p:spPr>
-      </p:sp>
-      <p:sp>
-        <p:nvSpPr>
-          <p:cNvPr name="TextBox 3" id="3"/>
-          <p:cNvSpPr txBox="true"/>
-          <p:nvPr/>
-        </p:nvSpPr>
-        <p:spPr>
-          <a:xfrm rot="0">
-            <a:off x="243884" y="904875"/>
+            <a:off x="365760" y="1134273"/>
             <a:ext cx="9022080" cy="9353550"/>
           </a:xfrm>
           <a:prstGeom prst="rect">
@@ -4992,7 +5146,7 @@
       </p:sp>
       <p:sp>
         <p:nvSpPr>
-          <p:cNvPr name="TextBox 4" id="4"/>
+          <p:cNvPr name="TextBox 3" id="3"/>
           <p:cNvSpPr txBox="true"/>
           <p:nvPr/>
         </p:nvSpPr>
@@ -5048,7 +5202,7 @@
 </p:sld>
 </file>
 
-<file path=ppt/slides/slide15.xml><?xml version="1.0" encoding="utf-8"?>
+<file path=ppt/slides/slide16.xml><?xml version="1.0" encoding="utf-8"?>
 <p:sld xmlns:p="http://schemas.openxmlformats.org/presentationml/2006/main" xmlns:a="http://schemas.openxmlformats.org/drawingml/2006/main" xmlns:r="http://schemas.openxmlformats.org/officeDocument/2006/relationships">
   <p:cSld>
     <p:spTree>
@@ -5207,7 +5361,7 @@
 </p:sld>
 </file>
 
-<file path=ppt/slides/slide16.xml><?xml version="1.0" encoding="utf-8"?>
+<file path=ppt/slides/slide17.xml><?xml version="1.0" encoding="utf-8"?>
 <p:sld xmlns:p="http://schemas.openxmlformats.org/presentationml/2006/main" xmlns:a="http://schemas.openxmlformats.org/drawingml/2006/main" xmlns:r="http://schemas.openxmlformats.org/officeDocument/2006/relationships">
   <p:cSld>
     <p:spTree>
@@ -5565,7 +5719,7 @@
 </p:sld>
 </file>
 
-<file path=ppt/slides/slide17.xml><?xml version="1.0" encoding="utf-8"?>
+<file path=ppt/slides/slide18.xml><?xml version="1.0" encoding="utf-8"?>
 <p:sld xmlns:p="http://schemas.openxmlformats.org/presentationml/2006/main" xmlns:a="http://schemas.openxmlformats.org/drawingml/2006/main" xmlns:r="http://schemas.openxmlformats.org/officeDocument/2006/relationships">
   <p:cSld>
     <p:spTree>
@@ -5939,7 +6093,7 @@
 </p:sld>
 </file>
 
-<file path=ppt/slides/slide18.xml><?xml version="1.0" encoding="utf-8"?>
+<file path=ppt/slides/slide19.xml><?xml version="1.0" encoding="utf-8"?>
 <p:sld xmlns:p="http://schemas.openxmlformats.org/presentationml/2006/main" xmlns:a="http://schemas.openxmlformats.org/drawingml/2006/main" xmlns:r="http://schemas.openxmlformats.org/officeDocument/2006/relationships">
   <p:cSld>
     <p:spTree>
@@ -5958,28 +6112,7 @@
       </p:grpSpPr>
       <p:sp>
         <p:nvSpPr>
-          <p:cNvPr name="AutoShape 2" id="2"/>
-          <p:cNvSpPr/>
-          <p:nvPr/>
-        </p:nvSpPr>
-        <p:spPr>
-          <a:xfrm rot="0">
-            <a:off x="0" y="914400"/>
-            <a:ext cx="4329962" cy="5486400"/>
-          </a:xfrm>
-          <a:prstGeom prst="rect">
-            <a:avLst/>
-          </a:prstGeom>
-          <a:solidFill>
-            <a:srgbClr val="25293C">
-              <a:alpha val="3922"/>
-            </a:srgbClr>
-          </a:solidFill>
-        </p:spPr>
-      </p:sp>
-      <p:sp>
-        <p:nvSpPr>
-          <p:cNvPr name="TextBox 3" id="3"/>
+          <p:cNvPr name="TextBox 2" id="2"/>
           <p:cNvSpPr txBox="true"/>
           <p:nvPr/>
         </p:nvSpPr>
@@ -6090,7 +6223,7 @@
       </p:sp>
       <p:sp>
         <p:nvSpPr>
-          <p:cNvPr name="Freeform 4" id="4"/>
+          <p:cNvPr name="Freeform 3" id="3"/>
           <p:cNvSpPr/>
           <p:nvPr/>
         </p:nvSpPr>
@@ -6136,7 +6269,7 @@
       </p:sp>
       <p:sp>
         <p:nvSpPr>
-          <p:cNvPr name="Freeform 5" id="5"/>
+          <p:cNvPr name="Freeform 4" id="4"/>
           <p:cNvSpPr/>
           <p:nvPr/>
         </p:nvSpPr>
@@ -6182,7 +6315,7 @@
       </p:sp>
       <p:sp>
         <p:nvSpPr>
-          <p:cNvPr name="TextBox 6" id="6"/>
+          <p:cNvPr name="TextBox 5" id="5"/>
           <p:cNvSpPr txBox="true"/>
           <p:nvPr/>
         </p:nvSpPr>
@@ -6220,7 +6353,7 @@
       </p:sp>
       <p:sp>
         <p:nvSpPr>
-          <p:cNvPr name="TextBox 7" id="7"/>
+          <p:cNvPr name="TextBox 6" id="6"/>
           <p:cNvSpPr txBox="true"/>
           <p:nvPr/>
         </p:nvSpPr>
@@ -6267,7 +6400,173 @@
 </p:sld>
 </file>
 
-<file path=ppt/slides/slide19.xml><?xml version="1.0" encoding="utf-8"?>
+<file path=ppt/slides/slide2.xml><?xml version="1.0" encoding="utf-8"?>
+<p:sld xmlns:p="http://schemas.openxmlformats.org/presentationml/2006/main" xmlns:a="http://schemas.openxmlformats.org/drawingml/2006/main">
+  <p:cSld>
+    <p:spTree>
+      <p:nvGrpSpPr>
+        <p:cNvPr id="1" name=""/>
+        <p:cNvGrpSpPr/>
+        <p:nvPr/>
+      </p:nvGrpSpPr>
+      <p:grpSpPr>
+        <a:xfrm>
+          <a:off x="0" y="0"/>
+          <a:ext cx="0" cy="0"/>
+          <a:chOff x="0" y="0"/>
+          <a:chExt cx="0" cy="0"/>
+        </a:xfrm>
+      </p:grpSpPr>
+      <p:sp>
+        <p:nvSpPr>
+          <p:cNvPr name="TextBox 2" id="2"/>
+          <p:cNvSpPr txBox="true"/>
+          <p:nvPr/>
+        </p:nvSpPr>
+        <p:spPr>
+          <a:xfrm rot="0">
+            <a:off x="363161" y="18074"/>
+            <a:ext cx="9027278" cy="664464"/>
+          </a:xfrm>
+          <a:prstGeom prst="rect">
+            <a:avLst/>
+          </a:prstGeom>
+        </p:spPr>
+        <p:txBody>
+          <a:bodyPr anchor="t" rtlCol="false" tIns="0" lIns="0" bIns="0" rIns="0">
+            <a:spAutoFit/>
+          </a:bodyPr>
+          <a:lstStyle/>
+          <a:p>
+            <a:pPr algn="l" marL="0" indent="0" lvl="0">
+              <a:lnSpc>
+                <a:spcPts val="5376"/>
+              </a:lnSpc>
+              <a:spcBef>
+                <a:spcPct val="0"/>
+              </a:spcBef>
+            </a:pPr>
+            <a:r>
+              <a:rPr lang="en-US" sz="3840">
+                <a:solidFill>
+                  <a:srgbClr val="111111"/>
+                </a:solidFill>
+                <a:latin typeface="Public Sans Bold"/>
+              </a:rPr>
+              <a:t>accessEQ</a:t>
+            </a:r>
+            <a:r>
+              <a:rPr lang="en-US" sz="3840">
+                <a:solidFill>
+                  <a:srgbClr val="111111"/>
+                </a:solidFill>
+                <a:latin typeface="Public Sans"/>
+              </a:rPr>
+              <a:t> Background</a:t>
+            </a:r>
+          </a:p>
+        </p:txBody>
+      </p:sp>
+      <p:sp>
+        <p:nvSpPr>
+          <p:cNvPr name="TextBox 3" id="3"/>
+          <p:cNvSpPr txBox="true"/>
+          <p:nvPr/>
+        </p:nvSpPr>
+        <p:spPr>
+          <a:xfrm rot="0">
+            <a:off x="731520" y="1719961"/>
+            <a:ext cx="7839098" cy="3566669"/>
+          </a:xfrm>
+          <a:prstGeom prst="rect">
+            <a:avLst/>
+          </a:prstGeom>
+        </p:spPr>
+        <p:txBody>
+          <a:bodyPr anchor="t" rtlCol="false" tIns="0" lIns="0" bIns="0" rIns="0">
+            <a:spAutoFit/>
+          </a:bodyPr>
+          <a:lstStyle/>
+          <a:p>
+            <a:pPr algn="l">
+              <a:lnSpc>
+                <a:spcPts val="4171"/>
+              </a:lnSpc>
+            </a:pPr>
+            <a:r>
+              <a:rPr lang="en-US" sz="2979">
+                <a:solidFill>
+                  <a:srgbClr val="111111"/>
+                </a:solidFill>
+                <a:latin typeface="Public Sans"/>
+              </a:rPr>
+              <a:t>80% of hearing aid demos are returned by </a:t>
+            </a:r>
+            <a:r>
+              <a:rPr lang="en-US" sz="2979">
+                <a:solidFill>
+                  <a:srgbClr val="111111"/>
+                </a:solidFill>
+                <a:latin typeface="Public Sans"/>
+              </a:rPr>
+              <a:t>dissatisfied users, why?</a:t>
+            </a:r>
+          </a:p>
+          <a:p>
+            <a:pPr algn="l">
+              <a:lnSpc>
+                <a:spcPts val="4171"/>
+              </a:lnSpc>
+            </a:pPr>
+          </a:p>
+          <a:p>
+            <a:pPr algn="l">
+              <a:lnSpc>
+                <a:spcPts val="4171"/>
+              </a:lnSpc>
+            </a:pPr>
+          </a:p>
+          <a:p>
+            <a:pPr algn="l">
+              <a:lnSpc>
+                <a:spcPts val="4171"/>
+              </a:lnSpc>
+            </a:pPr>
+            <a:r>
+              <a:rPr lang="en-US" sz="2979">
+                <a:solidFill>
+                  <a:srgbClr val="111111"/>
+                </a:solidFill>
+                <a:latin typeface="Public Sans"/>
+              </a:rPr>
+              <a:t>      Speech intelligibility is not improved</a:t>
+            </a:r>
+          </a:p>
+          <a:p>
+            <a:pPr algn="l">
+              <a:lnSpc>
+                <a:spcPts val="3751"/>
+              </a:lnSpc>
+            </a:pPr>
+          </a:p>
+          <a:p>
+            <a:pPr algn="l">
+              <a:lnSpc>
+                <a:spcPts val="3751"/>
+              </a:lnSpc>
+            </a:pPr>
+          </a:p>
+        </p:txBody>
+      </p:sp>
+    </p:spTree>
+  </p:cSld>
+  <p:clrMapOvr>
+    <a:masterClrMapping/>
+  </p:clrMapOvr>
+</p:sld>
+</file>
+
+<file path=ppt/slides/slide20.xml><?xml version="1.0" encoding="utf-8"?>
 <p:sld xmlns:p="http://schemas.openxmlformats.org/presentationml/2006/main" xmlns:a="http://schemas.openxmlformats.org/drawingml/2006/main" xmlns:r="http://schemas.openxmlformats.org/officeDocument/2006/relationships">
   <p:cSld>
     <p:spTree>
@@ -6619,173 +6918,7 @@
 </p:sld>
 </file>
 
-<file path=ppt/slides/slide2.xml><?xml version="1.0" encoding="utf-8"?>
-<p:sld xmlns:p="http://schemas.openxmlformats.org/presentationml/2006/main" xmlns:a="http://schemas.openxmlformats.org/drawingml/2006/main">
-  <p:cSld>
-    <p:spTree>
-      <p:nvGrpSpPr>
-        <p:cNvPr id="1" name=""/>
-        <p:cNvGrpSpPr/>
-        <p:nvPr/>
-      </p:nvGrpSpPr>
-      <p:grpSpPr>
-        <a:xfrm>
-          <a:off x="0" y="0"/>
-          <a:ext cx="0" cy="0"/>
-          <a:chOff x="0" y="0"/>
-          <a:chExt cx="0" cy="0"/>
-        </a:xfrm>
-      </p:grpSpPr>
-      <p:sp>
-        <p:nvSpPr>
-          <p:cNvPr name="TextBox 2" id="2"/>
-          <p:cNvSpPr txBox="true"/>
-          <p:nvPr/>
-        </p:nvSpPr>
-        <p:spPr>
-          <a:xfrm rot="0">
-            <a:off x="363161" y="18074"/>
-            <a:ext cx="9027278" cy="664464"/>
-          </a:xfrm>
-          <a:prstGeom prst="rect">
-            <a:avLst/>
-          </a:prstGeom>
-        </p:spPr>
-        <p:txBody>
-          <a:bodyPr anchor="t" rtlCol="false" tIns="0" lIns="0" bIns="0" rIns="0">
-            <a:spAutoFit/>
-          </a:bodyPr>
-          <a:lstStyle/>
-          <a:p>
-            <a:pPr algn="l" marL="0" indent="0" lvl="0">
-              <a:lnSpc>
-                <a:spcPts val="5376"/>
-              </a:lnSpc>
-              <a:spcBef>
-                <a:spcPct val="0"/>
-              </a:spcBef>
-            </a:pPr>
-            <a:r>
-              <a:rPr lang="en-US" sz="3840">
-                <a:solidFill>
-                  <a:srgbClr val="111111"/>
-                </a:solidFill>
-                <a:latin typeface="Public Sans Bold"/>
-              </a:rPr>
-              <a:t>accessEQ</a:t>
-            </a:r>
-            <a:r>
-              <a:rPr lang="en-US" sz="3840">
-                <a:solidFill>
-                  <a:srgbClr val="111111"/>
-                </a:solidFill>
-                <a:latin typeface="Public Sans"/>
-              </a:rPr>
-              <a:t> Background</a:t>
-            </a:r>
-          </a:p>
-        </p:txBody>
-      </p:sp>
-      <p:sp>
-        <p:nvSpPr>
-          <p:cNvPr name="TextBox 3" id="3"/>
-          <p:cNvSpPr txBox="true"/>
-          <p:nvPr/>
-        </p:nvSpPr>
-        <p:spPr>
-          <a:xfrm rot="0">
-            <a:off x="731520" y="1719961"/>
-            <a:ext cx="7839098" cy="3566669"/>
-          </a:xfrm>
-          <a:prstGeom prst="rect">
-            <a:avLst/>
-          </a:prstGeom>
-        </p:spPr>
-        <p:txBody>
-          <a:bodyPr anchor="t" rtlCol="false" tIns="0" lIns="0" bIns="0" rIns="0">
-            <a:spAutoFit/>
-          </a:bodyPr>
-          <a:lstStyle/>
-          <a:p>
-            <a:pPr algn="l">
-              <a:lnSpc>
-                <a:spcPts val="4171"/>
-              </a:lnSpc>
-            </a:pPr>
-            <a:r>
-              <a:rPr lang="en-US" sz="2979">
-                <a:solidFill>
-                  <a:srgbClr val="111111"/>
-                </a:solidFill>
-                <a:latin typeface="Public Sans"/>
-              </a:rPr>
-              <a:t> 80% of hearing aid demos are returned by </a:t>
-            </a:r>
-            <a:r>
-              <a:rPr lang="en-US" sz="2979">
-                <a:solidFill>
-                  <a:srgbClr val="111111"/>
-                </a:solidFill>
-                <a:latin typeface="Public Sans"/>
-              </a:rPr>
-              <a:t>dissatisfied users, why?</a:t>
-            </a:r>
-          </a:p>
-          <a:p>
-            <a:pPr algn="l">
-              <a:lnSpc>
-                <a:spcPts val="4171"/>
-              </a:lnSpc>
-            </a:pPr>
-          </a:p>
-          <a:p>
-            <a:pPr algn="l">
-              <a:lnSpc>
-                <a:spcPts val="4171"/>
-              </a:lnSpc>
-            </a:pPr>
-          </a:p>
-          <a:p>
-            <a:pPr algn="l">
-              <a:lnSpc>
-                <a:spcPts val="4171"/>
-              </a:lnSpc>
-            </a:pPr>
-            <a:r>
-              <a:rPr lang="en-US" sz="2979">
-                <a:solidFill>
-                  <a:srgbClr val="111111"/>
-                </a:solidFill>
-                <a:latin typeface="Public Sans"/>
-              </a:rPr>
-              <a:t>      Speech intelligibility is not improved</a:t>
-            </a:r>
-          </a:p>
-          <a:p>
-            <a:pPr algn="l">
-              <a:lnSpc>
-                <a:spcPts val="3751"/>
-              </a:lnSpc>
-            </a:pPr>
-          </a:p>
-          <a:p>
-            <a:pPr algn="l">
-              <a:lnSpc>
-                <a:spcPts val="3751"/>
-              </a:lnSpc>
-            </a:pPr>
-          </a:p>
-        </p:txBody>
-      </p:sp>
-    </p:spTree>
-  </p:cSld>
-  <p:clrMapOvr>
-    <a:masterClrMapping/>
-  </p:clrMapOvr>
-</p:sld>
-</file>
-
-<file path=ppt/slides/slide20.xml><?xml version="1.0" encoding="utf-8"?>
+<file path=ppt/slides/slide21.xml><?xml version="1.0" encoding="utf-8"?>
 <p:sld xmlns:p="http://schemas.openxmlformats.org/presentationml/2006/main" xmlns:a="http://schemas.openxmlformats.org/drawingml/2006/main" xmlns:r="http://schemas.openxmlformats.org/officeDocument/2006/relationships">
   <p:cSld>
     <p:spTree>
@@ -7030,7 +7163,7 @@
 </p:sld>
 </file>
 
-<file path=ppt/slides/slide21.xml><?xml version="1.0" encoding="utf-8"?>
+<file path=ppt/slides/slide22.xml><?xml version="1.0" encoding="utf-8"?>
 <p:sld xmlns:p="http://schemas.openxmlformats.org/presentationml/2006/main" xmlns:a="http://schemas.openxmlformats.org/drawingml/2006/main" xmlns:r="http://schemas.openxmlformats.org/officeDocument/2006/relationships">
   <p:cSld>
     <p:spTree>
@@ -7049,28 +7182,7 @@
       </p:grpSpPr>
       <p:sp>
         <p:nvSpPr>
-          <p:cNvPr name="AutoShape 2" id="2"/>
-          <p:cNvSpPr/>
-          <p:nvPr/>
-        </p:nvSpPr>
-        <p:spPr>
-          <a:xfrm rot="0">
-            <a:off x="0" y="914400"/>
-            <a:ext cx="4329962" cy="5486400"/>
-          </a:xfrm>
-          <a:prstGeom prst="rect">
-            <a:avLst/>
-          </a:prstGeom>
-          <a:solidFill>
-            <a:srgbClr val="25293C">
-              <a:alpha val="3922"/>
-            </a:srgbClr>
-          </a:solidFill>
-        </p:spPr>
-      </p:sp>
-      <p:sp>
-        <p:nvSpPr>
-          <p:cNvPr name="Freeform 3" id="3"/>
+          <p:cNvPr name="Freeform 2" id="2"/>
           <p:cNvSpPr/>
           <p:nvPr/>
         </p:nvSpPr>
@@ -7116,7 +7228,7 @@
       </p:sp>
       <p:sp>
         <p:nvSpPr>
-          <p:cNvPr name="TextBox 4" id="4"/>
+          <p:cNvPr name="TextBox 3" id="3"/>
           <p:cNvSpPr txBox="true"/>
           <p:nvPr/>
         </p:nvSpPr>
@@ -7204,7 +7316,7 @@
       </p:sp>
       <p:sp>
         <p:nvSpPr>
-          <p:cNvPr name="TextBox 5" id="5"/>
+          <p:cNvPr name="TextBox 4" id="4"/>
           <p:cNvSpPr txBox="true"/>
           <p:nvPr/>
         </p:nvSpPr>
@@ -7251,7 +7363,7 @@
 </p:sld>
 </file>
 
-<file path=ppt/slides/slide22.xml><?xml version="1.0" encoding="utf-8"?>
+<file path=ppt/slides/slide23.xml><?xml version="1.0" encoding="utf-8"?>
 <p:sld xmlns:p="http://schemas.openxmlformats.org/presentationml/2006/main" xmlns:a="http://schemas.openxmlformats.org/drawingml/2006/main">
   <p:cSld>
     <p:spTree>
@@ -7481,7 +7593,7 @@
 </p:sld>
 </file>
 
-<file path=ppt/slides/slide23.xml><?xml version="1.0" encoding="utf-8"?>
+<file path=ppt/slides/slide24.xml><?xml version="1.0" encoding="utf-8"?>
 <p:sld xmlns:p="http://schemas.openxmlformats.org/presentationml/2006/main" xmlns:a="http://schemas.openxmlformats.org/drawingml/2006/main" xmlns:r="http://schemas.openxmlformats.org/officeDocument/2006/relationships">
   <p:cSld>
     <p:spTree>
@@ -7500,28 +7612,7 @@
       </p:grpSpPr>
       <p:sp>
         <p:nvSpPr>
-          <p:cNvPr name="AutoShape 2" id="2"/>
-          <p:cNvSpPr/>
-          <p:nvPr/>
-        </p:nvSpPr>
-        <p:spPr>
-          <a:xfrm rot="0">
-            <a:off x="0" y="914400"/>
-            <a:ext cx="4329962" cy="5486400"/>
-          </a:xfrm>
-          <a:prstGeom prst="rect">
-            <a:avLst/>
-          </a:prstGeom>
-          <a:solidFill>
-            <a:srgbClr val="25293C">
-              <a:alpha val="3922"/>
-            </a:srgbClr>
-          </a:solidFill>
-        </p:spPr>
-      </p:sp>
-      <p:sp>
-        <p:nvSpPr>
-          <p:cNvPr name="TextBox 3" id="3"/>
+          <p:cNvPr name="TextBox 2" id="2"/>
           <p:cNvSpPr txBox="true"/>
           <p:nvPr/>
         </p:nvSpPr>
@@ -7809,7 +7900,7 @@
       </p:sp>
       <p:sp>
         <p:nvSpPr>
-          <p:cNvPr name="TextBox 4" id="4"/>
+          <p:cNvPr name="TextBox 3" id="3"/>
           <p:cNvSpPr txBox="true"/>
           <p:nvPr/>
         </p:nvSpPr>
@@ -7856,7 +7947,7 @@
 </p:sld>
 </file>
 
-<file path=ppt/slides/slide24.xml><?xml version="1.0" encoding="utf-8"?>
+<file path=ppt/slides/slide25.xml><?xml version="1.0" encoding="utf-8"?>
 <p:sld xmlns:p="http://schemas.openxmlformats.org/presentationml/2006/main" xmlns:a="http://schemas.openxmlformats.org/drawingml/2006/main">
   <p:cSld>
     <p:spTree>
@@ -9038,7 +9129,7 @@
 </p:sld>
 </file>
 
-<file path=ppt/slides/slide25.xml><?xml version="1.0" encoding="utf-8"?>
+<file path=ppt/slides/slide26.xml><?xml version="1.0" encoding="utf-8"?>
 <p:sld xmlns:p="http://schemas.openxmlformats.org/presentationml/2006/main" xmlns:a="http://schemas.openxmlformats.org/drawingml/2006/main">
   <p:cSld>
     <p:spTree>
@@ -10157,8 +10248,8 @@
         </p:nvSpPr>
         <p:spPr>
           <a:xfrm rot="0">
-            <a:off x="731520" y="1258529"/>
-            <a:ext cx="8677969" cy="5041774"/>
+            <a:off x="537816" y="1037081"/>
+            <a:ext cx="8958344" cy="5546599"/>
           </a:xfrm>
           <a:prstGeom prst="rect">
             <a:avLst/>
@@ -10182,8 +10273,15 @@
                 </a:solidFill>
                 <a:latin typeface="Public Sans"/>
               </a:rPr>
-              <a:t>SNR determines s</a:t>
-            </a:r>
+              <a:t>Signal-to-Noise ratio (SNR) determines </a:t>
+            </a:r>
+          </a:p>
+          <a:p>
+            <a:pPr algn="l">
+              <a:lnSpc>
+                <a:spcPts val="4031"/>
+              </a:lnSpc>
+            </a:pPr>
             <a:r>
               <a:rPr lang="en-US" sz="2879">
                 <a:solidFill>
@@ -10191,7 +10289,16 @@
                 </a:solidFill>
                 <a:latin typeface="Public Sans"/>
               </a:rPr>
-              <a:t>peech intelligibility, </a:t>
+              <a:t>s</a:t>
+            </a:r>
+            <a:r>
+              <a:rPr lang="en-US" sz="2879">
+                <a:solidFill>
+                  <a:srgbClr val="111111"/>
+                </a:solidFill>
+                <a:latin typeface="Public Sans"/>
+              </a:rPr>
+              <a:t>peech intelligibility, simple gain (amplification) does not improve SNR</a:t>
             </a:r>
           </a:p>
           <a:p>
@@ -10200,6 +10307,13 @@
                 <a:spcPts val="4031"/>
               </a:lnSpc>
             </a:pPr>
+          </a:p>
+          <a:p>
+            <a:pPr algn="l">
+              <a:lnSpc>
+                <a:spcPts val="4031"/>
+              </a:lnSpc>
+            </a:pPr>
             <a:r>
               <a:rPr lang="en-US" sz="2879">
                 <a:solidFill>
@@ -10207,22 +10321,8 @@
                 </a:solidFill>
                 <a:latin typeface="Public Sans"/>
               </a:rPr>
-              <a:t>generic gain does not improve SNR</a:t>
-            </a:r>
-          </a:p>
-          <a:p>
-            <a:pPr algn="l">
-              <a:lnSpc>
-                <a:spcPts val="4031"/>
-              </a:lnSpc>
-            </a:pPr>
-          </a:p>
-          <a:p>
-            <a:pPr algn="l">
-              <a:lnSpc>
-                <a:spcPts val="4031"/>
-              </a:lnSpc>
-            </a:pPr>
+              <a:t>The</a:t>
+            </a:r>
             <a:r>
               <a:rPr lang="en-US" sz="2879">
                 <a:solidFill>
@@ -10230,7 +10330,7 @@
                 </a:solidFill>
                 <a:latin typeface="Public Sans"/>
               </a:rPr>
-              <a:t>The</a:t>
+              <a:t> hearing aids processor </a:t>
             </a:r>
             <a:r>
               <a:rPr lang="en-US" sz="2879">
@@ -10239,16 +10339,7 @@
                 </a:solidFill>
                 <a:latin typeface="Public Sans"/>
               </a:rPr>
-              <a:t> hearing aids </a:t>
-            </a:r>
-            <a:r>
-              <a:rPr lang="en-US" sz="2879">
-                <a:solidFill>
-                  <a:srgbClr val="111111"/>
-                </a:solidFill>
-                <a:latin typeface="Public Sans"/>
-              </a:rPr>
-              <a:t>DSP is computationally weak compared to the Mac’s processor</a:t>
+              <a:t>is computationally weak compared to the Mac’s processor</a:t>
             </a:r>
           </a:p>
           <a:p>
@@ -10451,38 +10542,42 @@
               <a:buChar char="•"/>
             </a:pPr>
             <a:r>
-              <a:rPr lang="en-US" sz="2875">
+              <a:rPr lang="en-US" sz="2875" u="sng">
                 <a:solidFill>
                   <a:srgbClr val="111111"/>
                 </a:solidFill>
                 <a:latin typeface="Public Sans"/>
+                <a:hlinkClick r:id="rId2" tooltip="https://github.com/TCupolo/accessEQ/releases/download/1.2.1.0/accessEQ.app.zip"/>
               </a:rPr>
               <a:t>Download the free </a:t>
             </a:r>
             <a:r>
-              <a:rPr lang="en-US" sz="2875">
+              <a:rPr lang="en-US" sz="2875" u="sng">
                 <a:solidFill>
                   <a:srgbClr val="111111"/>
                 </a:solidFill>
                 <a:latin typeface="Public Sans Bold"/>
+                <a:hlinkClick r:id="rId3" tooltip="https://github.com/TCupolo/accessEQ/releases/download/1.2.1.0/accessEQ.app.zip"/>
               </a:rPr>
               <a:t>accessEQ</a:t>
             </a:r>
             <a:r>
-              <a:rPr lang="en-US" sz="2875">
+              <a:rPr lang="en-US" sz="2875" u="sng">
                 <a:solidFill>
                   <a:srgbClr val="111111"/>
                 </a:solidFill>
                 <a:latin typeface="Public Sans"/>
-              </a:rPr>
-              <a:t> 2024A release (1.0.0.0) from Github </a:t>
-            </a:r>
-            <a:r>
-              <a:rPr lang="en-US" sz="2875">
+                <a:hlinkClick r:id="rId4" tooltip="https://github.com/TCupolo/accessEQ/releases/download/1.2.1.0/accessEQ.app.zip"/>
+              </a:rPr>
+              <a:t> 2024A release (1.2.1.0) from Github </a:t>
+            </a:r>
+            <a:r>
+              <a:rPr lang="en-US" sz="2875" u="sng">
                 <a:solidFill>
                   <a:srgbClr val="111111"/>
                 </a:solidFill>
                 <a:latin typeface="Public Sans Bold"/>
+                <a:hlinkClick r:id="rId5" tooltip="https://github.com/TCupolo/accessEQ/releases/download/1.2.1.0/accessEQ.app.zip"/>
               </a:rPr>
               <a:t>@</a:t>
             </a:r>
@@ -10508,9 +10603,47 @@
                   <a:srgbClr val="5271FF"/>
                 </a:solidFill>
                 <a:latin typeface="Public Sans"/>
-                <a:hlinkClick r:id="rId2" tooltip="https://github.com/TCupolo/accessEQ/releases/download/1.0.0.0/accessEQ.app.zip"/>
-              </a:rPr>
-              <a:t>https://github.com/TCupolo/accessEQ/releases/download/1.0.0.0/accessEQ.app.zip</a:t>
+                <a:hlinkClick r:id="rId6" tooltip="https://github.com/TCupolo/accessEQ/releases/download/1.2.1.0/accessEQ.app.zip"/>
+              </a:rPr>
+              <a:t>https://github.com/TCupolo/accessEQ/releases/download/1.</a:t>
+            </a:r>
+            <a:r>
+              <a:rPr lang="en-US" sz="2408" u="sng">
+                <a:solidFill>
+                  <a:srgbClr val="5271FF"/>
+                </a:solidFill>
+                <a:latin typeface="Public Sans"/>
+              </a:rPr>
+              <a:t>2</a:t>
+            </a:r>
+            <a:r>
+              <a:rPr lang="en-US" sz="2408" u="sng">
+                <a:solidFill>
+                  <a:srgbClr val="5271FF"/>
+                </a:solidFill>
+                <a:latin typeface="Public Sans"/>
+                <a:hlinkClick r:id="rId7" tooltip="https://github.com/TCupolo/accessEQ/releases/download/1.2.1.0/accessEQ.app.zip"/>
+              </a:rPr>
+              <a:t>.</a:t>
+            </a:r>
+            <a:r>
+              <a:rPr lang="en-US" sz="2408" u="sng">
+                <a:solidFill>
+                  <a:srgbClr val="5271FF"/>
+                </a:solidFill>
+                <a:latin typeface="Public Sans"/>
+              </a:rPr>
+              <a:t>1</a:t>
+            </a:r>
+            <a:r>
+              <a:rPr lang="en-US" sz="2408" u="sng">
+                <a:solidFill>
+                  <a:srgbClr val="5271FF"/>
+                </a:solidFill>
+                <a:latin typeface="Public Sans"/>
+                <a:hlinkClick r:id="rId8" tooltip="https://github.com/TCupolo/accessEQ/releases/download/1.2.1.0/accessEQ.app.zip"/>
+              </a:rPr>
+              <a:t>.0/accessEQ.app.zip</a:t>
             </a:r>
           </a:p>
           <a:p>
@@ -10529,38 +10662,42 @@
               <a:buChar char="•"/>
             </a:pPr>
             <a:r>
-              <a:rPr lang="en-US" sz="2875">
+              <a:rPr lang="en-US" sz="2875" u="sng">
                 <a:solidFill>
                   <a:srgbClr val="111111"/>
                 </a:solidFill>
                 <a:latin typeface="Public Sans"/>
+                <a:hlinkClick r:id="rId9" tooltip="https://github.com/TCupolo/accessEQ/releases/download/1.2.1.0/accessEQ.app.zip"/>
               </a:rPr>
               <a:t>Unzip </a:t>
             </a:r>
             <a:r>
-              <a:rPr lang="en-US" sz="2875">
+              <a:rPr lang="en-US" sz="2875" u="sng">
                 <a:solidFill>
                   <a:srgbClr val="111111"/>
                 </a:solidFill>
                 <a:latin typeface="Public Sans Bold"/>
+                <a:hlinkClick r:id="rId10" tooltip="https://github.com/TCupolo/accessEQ/releases/download/1.2.1.0/accessEQ.app.zip"/>
               </a:rPr>
               <a:t>accessEQ.app.zip</a:t>
             </a:r>
             <a:r>
-              <a:rPr lang="en-US" sz="2875">
+              <a:rPr lang="en-US" sz="2875" u="sng">
                 <a:solidFill>
                   <a:srgbClr val="111111"/>
                 </a:solidFill>
                 <a:latin typeface="Public Sans"/>
+                <a:hlinkClick r:id="rId11" tooltip="https://github.com/TCupolo/accessEQ/releases/download/1.2.1.0/accessEQ.app.zip"/>
               </a:rPr>
               <a:t> to </a:t>
             </a:r>
             <a:r>
-              <a:rPr lang="en-US" sz="2875">
+              <a:rPr lang="en-US" sz="2875" u="sng">
                 <a:solidFill>
                   <a:srgbClr val="111111"/>
                 </a:solidFill>
                 <a:latin typeface="Public Sans Bold"/>
+                <a:hlinkClick r:id="rId12" tooltip="https://github.com/TCupolo/accessEQ/releases/download/1.2.1.0/accessEQ.app.zip"/>
               </a:rPr>
               <a:t>accessEQ.app</a:t>
             </a:r>
@@ -10581,29 +10718,32 @@
               <a:buChar char="•"/>
             </a:pPr>
             <a:r>
-              <a:rPr lang="en-US" sz="2875">
+              <a:rPr lang="en-US" sz="2875" u="sng">
                 <a:solidFill>
                   <a:srgbClr val="111111"/>
                 </a:solidFill>
                 <a:latin typeface="Public Sans"/>
+                <a:hlinkClick r:id="rId13" tooltip="https://github.com/TCupolo/accessEQ/releases/download/1.2.1.0/accessEQ.app.zip"/>
               </a:rPr>
               <a:t>Move </a:t>
             </a:r>
             <a:r>
-              <a:rPr lang="en-US" sz="2875">
+              <a:rPr lang="en-US" sz="2875" u="sng">
                 <a:solidFill>
                   <a:srgbClr val="111111"/>
                 </a:solidFill>
                 <a:latin typeface="Public Sans Bold"/>
+                <a:hlinkClick r:id="rId14" tooltip="https://github.com/TCupolo/accessEQ/releases/download/1.2.1.0/accessEQ.app.zip"/>
               </a:rPr>
               <a:t>accessEQ.app</a:t>
             </a:r>
             <a:r>
-              <a:rPr lang="en-US" sz="2875">
+              <a:rPr lang="en-US" sz="2875" u="sng">
                 <a:solidFill>
                   <a:srgbClr val="111111"/>
                 </a:solidFill>
                 <a:latin typeface="Public Sans"/>
+                <a:hlinkClick r:id="rId15" tooltip="https://github.com/TCupolo/accessEQ/releases/download/1.2.1.0/accessEQ.app.zip"/>
               </a:rPr>
               <a:t> over to the standard Mac Applications folder</a:t>
             </a:r>
@@ -10624,29 +10764,32 @@
               <a:buChar char="•"/>
             </a:pPr>
             <a:r>
-              <a:rPr lang="en-US" sz="2875">
+              <a:rPr lang="en-US" sz="2875" u="sng">
                 <a:solidFill>
                   <a:srgbClr val="111111"/>
                 </a:solidFill>
                 <a:latin typeface="Public Sans"/>
+                <a:hlinkClick r:id="rId16" tooltip="https://github.com/TCupolo/accessEQ/releases/download/1.2.1.0/accessEQ.app.zip"/>
               </a:rPr>
               <a:t>Double click </a:t>
             </a:r>
             <a:r>
-              <a:rPr lang="en-US" sz="2875">
+              <a:rPr lang="en-US" sz="2875" u="sng">
                 <a:solidFill>
                   <a:srgbClr val="111111"/>
                 </a:solidFill>
                 <a:latin typeface="Public Sans Bold"/>
+                <a:hlinkClick r:id="rId17" tooltip="https://github.com/TCupolo/accessEQ/releases/download/1.2.1.0/accessEQ.app.zip"/>
               </a:rPr>
               <a:t>accessEQ.app</a:t>
             </a:r>
             <a:r>
-              <a:rPr lang="en-US" sz="2875">
+              <a:rPr lang="en-US" sz="2875" u="sng">
                 <a:solidFill>
                   <a:srgbClr val="111111"/>
                 </a:solidFill>
                 <a:latin typeface="Public Sans"/>
+                <a:hlinkClick r:id="rId18" tooltip="https://github.com/TCupolo/accessEQ/releases/download/1.2.1.0/accessEQ.app.zip"/>
               </a:rPr>
               <a:t> to run it</a:t>
             </a:r>
@@ -10948,7 +11091,7 @@
                 </a:solidFill>
                 <a:latin typeface="Public Sans Thin"/>
               </a:rPr>
-              <a:t> to confirm registration was successful, run</a:t>
+              <a:t> to confirm plugin registration was successful, run</a:t>
             </a:r>
             <a:r>
               <a:rPr lang="en-US" sz="2091">
@@ -12088,35 +12231,14 @@
       </p:grpSpPr>
       <p:sp>
         <p:nvSpPr>
-          <p:cNvPr name="AutoShape 2" id="2"/>
+          <p:cNvPr name="Freeform 2" id="2"/>
           <p:cNvSpPr/>
           <p:nvPr/>
         </p:nvSpPr>
         <p:spPr>
-          <a:xfrm rot="0">
-            <a:off x="0" y="914400"/>
-            <a:ext cx="4329962" cy="5486400"/>
-          </a:xfrm>
-          <a:prstGeom prst="rect">
-            <a:avLst/>
-          </a:prstGeom>
-          <a:solidFill>
-            <a:srgbClr val="25293C">
-              <a:alpha val="3922"/>
-            </a:srgbClr>
-          </a:solidFill>
-        </p:spPr>
-      </p:sp>
-      <p:sp>
-        <p:nvSpPr>
-          <p:cNvPr name="Freeform 3" id="3"/>
-          <p:cNvSpPr/>
-          <p:nvPr/>
-        </p:nvSpPr>
-        <p:spPr>
           <a:xfrm flipH="false" flipV="false" rot="0">
-            <a:off x="5693343" y="811869"/>
-            <a:ext cx="3882443" cy="4719261"/>
+            <a:off x="5886578" y="811869"/>
+            <a:ext cx="2562281" cy="4670615"/>
           </a:xfrm>
           <a:custGeom>
             <a:avLst/>
@@ -12125,18 +12247,18 @@
             <a:cxnLst/>
             <a:rect r="r" b="b" t="t" l="l"/>
             <a:pathLst>
-              <a:path h="4719261" w="3882443">
+              <a:path h="4670615" w="2562281">
                 <a:moveTo>
                   <a:pt x="0" y="0"/>
                 </a:moveTo>
                 <a:lnTo>
-                  <a:pt x="3882444" y="0"/>
+                  <a:pt x="2562281" y="0"/>
                 </a:lnTo>
                 <a:lnTo>
-                  <a:pt x="3882444" y="4719261"/>
+                  <a:pt x="2562281" y="4670615"/>
                 </a:lnTo>
                 <a:lnTo>
-                  <a:pt x="0" y="4719261"/>
+                  <a:pt x="0" y="4670615"/>
                 </a:lnTo>
                 <a:lnTo>
                   <a:pt x="0" y="0"/>
@@ -12155,14 +12277,14 @@
       </p:sp>
       <p:sp>
         <p:nvSpPr>
-          <p:cNvPr name="Freeform 4" id="4"/>
+          <p:cNvPr name="Freeform 3" id="3"/>
           <p:cNvSpPr/>
           <p:nvPr/>
         </p:nvSpPr>
         <p:spPr>
           <a:xfrm flipH="false" flipV="false" rot="0">
-            <a:off x="4444153" y="5706187"/>
-            <a:ext cx="5131634" cy="1389227"/>
+            <a:off x="5886578" y="5743438"/>
+            <a:ext cx="2832543" cy="1319527"/>
           </a:xfrm>
           <a:custGeom>
             <a:avLst/>
@@ -12171,18 +12293,18 @@
             <a:cxnLst/>
             <a:rect r="r" b="b" t="t" l="l"/>
             <a:pathLst>
-              <a:path h="1389227" w="5131634">
+              <a:path h="1319527" w="2832543">
                 <a:moveTo>
                   <a:pt x="0" y="0"/>
                 </a:moveTo>
                 <a:lnTo>
-                  <a:pt x="5131634" y="0"/>
+                  <a:pt x="2832544" y="0"/>
                 </a:lnTo>
                 <a:lnTo>
-                  <a:pt x="5131634" y="1389226"/>
+                  <a:pt x="2832544" y="1319527"/>
                 </a:lnTo>
                 <a:lnTo>
-                  <a:pt x="0" y="1389226"/>
+                  <a:pt x="0" y="1319527"/>
                 </a:lnTo>
                 <a:lnTo>
                   <a:pt x="0" y="0"/>
@@ -12194,21 +12316,21 @@
           <a:blipFill>
             <a:blip r:embed="rId3"/>
             <a:stretch>
-              <a:fillRect l="0" t="0" r="0" b="0"/>
+              <a:fillRect l="0" t="-20443" r="0" b="-5554"/>
             </a:stretch>
           </a:blipFill>
         </p:spPr>
       </p:sp>
       <p:sp>
         <p:nvSpPr>
-          <p:cNvPr name="TextBox 5" id="5"/>
+          <p:cNvPr name="TextBox 4" id="4"/>
           <p:cNvSpPr txBox="true"/>
           <p:nvPr/>
         </p:nvSpPr>
         <p:spPr>
           <a:xfrm rot="0">
-            <a:off x="-272177" y="792819"/>
-            <a:ext cx="5965520" cy="4648200"/>
+            <a:off x="-174597" y="792819"/>
+            <a:ext cx="5965520" cy="5676900"/>
           </a:xfrm>
           <a:prstGeom prst="rect">
             <a:avLst/>
@@ -12245,6 +12367,13 @@
             </a:pPr>
           </a:p>
           <a:p>
+            <a:pPr algn="l">
+              <a:lnSpc>
+                <a:spcPts val="4106"/>
+              </a:lnSpc>
+            </a:pPr>
+          </a:p>
+          <a:p>
             <a:pPr algn="l" marL="738852" indent="-369426" lvl="1">
               <a:lnSpc>
                 <a:spcPts val="4106"/>
@@ -12270,6 +12399,20 @@
             </a:pPr>
           </a:p>
           <a:p>
+            <a:pPr algn="l">
+              <a:lnSpc>
+                <a:spcPts val="4106"/>
+              </a:lnSpc>
+            </a:pPr>
+          </a:p>
+          <a:p>
+            <a:pPr algn="l">
+              <a:lnSpc>
+                <a:spcPts val="4106"/>
+              </a:lnSpc>
+            </a:pPr>
+          </a:p>
+          <a:p>
             <a:pPr algn="l" marL="738852" indent="-369426" lvl="1">
               <a:lnSpc>
                 <a:spcPts val="4106"/>
@@ -12284,15 +12427,17 @@
                 </a:solidFill>
                 <a:latin typeface="Public Sans Thin"/>
               </a:rPr>
-              <a:t>Select Tony Cupolo</a:t>
-            </a:r>
-          </a:p>
-          <a:p>
-            <a:pPr algn="l">
-              <a:lnSpc>
-                <a:spcPts val="4106"/>
-              </a:lnSpc>
-            </a:pPr>
+              <a:t>Select </a:t>
+            </a:r>
+            <a:r>
+              <a:rPr lang="en-US" sz="3422">
+                <a:solidFill>
+                  <a:srgbClr val="111111"/>
+                </a:solidFill>
+                <a:latin typeface="Public Sans Bold"/>
+              </a:rPr>
+              <a:t>accessEQ</a:t>
+            </a:r>
           </a:p>
           <a:p>
             <a:pPr algn="l" marL="738852" indent="-369426" lvl="1">
@@ -12318,16 +12463,7 @@
                 </a:solidFill>
                 <a:latin typeface="Public Sans Bold"/>
               </a:rPr>
-              <a:t>accessEQ</a:t>
-            </a:r>
-            <a:r>
-              <a:rPr lang="en-US" sz="3422">
-                <a:solidFill>
-                  <a:srgbClr val="111111"/>
-                </a:solidFill>
-                <a:latin typeface="Public Sans Thin"/>
-              </a:rPr>
-              <a:t> 2024A</a:t>
+              <a:t>2024A</a:t>
             </a:r>
           </a:p>
           <a:p>
@@ -12361,23 +12497,14 @@
                 </a:solidFill>
                 <a:latin typeface="Public Sans Bold"/>
               </a:rPr>
-              <a:t>accessEQ</a:t>
-            </a:r>
-            <a:r>
-              <a:rPr lang="en-US" sz="3422">
-                <a:solidFill>
-                  <a:srgbClr val="111111"/>
-                </a:solidFill>
-                <a:latin typeface="Public Sans Thin"/>
-              </a:rPr>
-              <a:t> 2024A</a:t>
+              <a:t>2024A</a:t>
             </a:r>
           </a:p>
         </p:txBody>
       </p:sp>
       <p:sp>
         <p:nvSpPr>
-          <p:cNvPr name="TextBox 6" id="6"/>
+          <p:cNvPr name="TextBox 5" id="5"/>
           <p:cNvSpPr txBox="true"/>
           <p:nvPr/>
         </p:nvSpPr>
@@ -12461,24 +12588,139 @@
       </p:grpSpPr>
       <p:sp>
         <p:nvSpPr>
-          <p:cNvPr name="AutoShape 2" id="2"/>
-          <p:cNvSpPr/>
+          <p:cNvPr name="TextBox 2" id="2"/>
+          <p:cNvSpPr txBox="true"/>
           <p:nvPr/>
         </p:nvSpPr>
         <p:spPr>
           <a:xfrm rot="0">
-            <a:off x="0" y="914400"/>
-            <a:ext cx="4329962" cy="5486400"/>
+            <a:off x="0" y="809625"/>
+            <a:ext cx="8521080" cy="4648200"/>
           </a:xfrm>
           <a:prstGeom prst="rect">
             <a:avLst/>
           </a:prstGeom>
-          <a:solidFill>
-            <a:srgbClr val="25293C">
-              <a:alpha val="3922"/>
-            </a:srgbClr>
-          </a:solidFill>
         </p:spPr>
+        <p:txBody>
+          <a:bodyPr anchor="t" rtlCol="false" tIns="0" lIns="0" bIns="0" rIns="0">
+            <a:spAutoFit/>
+          </a:bodyPr>
+          <a:lstStyle/>
+          <a:p>
+            <a:pPr algn="l" marL="738852" indent="-369426" lvl="1">
+              <a:lnSpc>
+                <a:spcPts val="4106"/>
+              </a:lnSpc>
+              <a:buFont typeface="Arial"/>
+              <a:buChar char="•"/>
+            </a:pPr>
+            <a:r>
+              <a:rPr lang="en-US" sz="3422">
+                <a:solidFill>
+                  <a:srgbClr val="111111"/>
+                </a:solidFill>
+                <a:latin typeface="Public Sans Thin"/>
+              </a:rPr>
+              <a:t>Run eqMAC</a:t>
+            </a:r>
+          </a:p>
+          <a:p>
+            <a:pPr algn="l">
+              <a:lnSpc>
+                <a:spcPts val="4106"/>
+              </a:lnSpc>
+            </a:pPr>
+          </a:p>
+          <a:p>
+            <a:pPr algn="l">
+              <a:lnSpc>
+                <a:spcPts val="4106"/>
+              </a:lnSpc>
+            </a:pPr>
+          </a:p>
+          <a:p>
+            <a:pPr algn="l">
+              <a:lnSpc>
+                <a:spcPts val="4106"/>
+              </a:lnSpc>
+            </a:pPr>
+          </a:p>
+          <a:p>
+            <a:pPr algn="l" marL="738852" indent="-369426" lvl="1">
+              <a:lnSpc>
+                <a:spcPts val="4106"/>
+              </a:lnSpc>
+              <a:buFont typeface="Arial"/>
+              <a:buChar char="•"/>
+            </a:pPr>
+            <a:r>
+              <a:rPr lang="en-US" sz="3422">
+                <a:solidFill>
+                  <a:srgbClr val="111111"/>
+                </a:solidFill>
+                <a:latin typeface="Public Sans Thin"/>
+              </a:rPr>
+              <a:t>Click Add Effect</a:t>
+            </a:r>
+          </a:p>
+          <a:p>
+            <a:pPr algn="l" marL="738852" indent="-369426" lvl="1">
+              <a:lnSpc>
+                <a:spcPts val="4106"/>
+              </a:lnSpc>
+              <a:buFont typeface="Arial"/>
+              <a:buChar char="•"/>
+            </a:pPr>
+            <a:r>
+              <a:rPr lang="en-US" sz="3422">
+                <a:solidFill>
+                  <a:srgbClr val="111111"/>
+                </a:solidFill>
+                <a:latin typeface="Public Sans Thin"/>
+              </a:rPr>
+              <a:t>Select </a:t>
+            </a:r>
+            <a:r>
+              <a:rPr lang="en-US" sz="3422">
+                <a:solidFill>
+                  <a:srgbClr val="111111"/>
+                </a:solidFill>
+                <a:latin typeface="Public Sans Bold"/>
+              </a:rPr>
+              <a:t>accessEQ:</a:t>
+            </a:r>
+            <a:r>
+              <a:rPr lang="en-US" sz="3422">
+                <a:solidFill>
+                  <a:srgbClr val="111111"/>
+                </a:solidFill>
+                <a:latin typeface="Public Sans Thin"/>
+              </a:rPr>
+              <a:t> 2024A</a:t>
+            </a:r>
+          </a:p>
+          <a:p>
+            <a:pPr algn="l">
+              <a:lnSpc>
+                <a:spcPts val="4106"/>
+              </a:lnSpc>
+            </a:pPr>
+          </a:p>
+          <a:p>
+            <a:pPr algn="l">
+              <a:lnSpc>
+                <a:spcPts val="4106"/>
+              </a:lnSpc>
+            </a:pPr>
+          </a:p>
+          <a:p>
+            <a:pPr algn="l">
+              <a:lnSpc>
+                <a:spcPts val="4106"/>
+              </a:lnSpc>
+            </a:pPr>
+          </a:p>
+        </p:txBody>
       </p:sp>
       <p:sp>
         <p:nvSpPr>
@@ -12488,8 +12730,8 @@
         </p:nvSpPr>
         <p:spPr>
           <a:xfrm flipH="false" flipV="false" rot="0">
-            <a:off x="4784544" y="6229350"/>
-            <a:ext cx="4621590" cy="799222"/>
+            <a:off x="4876800" y="828675"/>
+            <a:ext cx="4621590" cy="1731663"/>
           </a:xfrm>
           <a:custGeom>
             <a:avLst/>
@@ -12498,18 +12740,18 @@
             <a:cxnLst/>
             <a:rect r="r" b="b" t="t" l="l"/>
             <a:pathLst>
-              <a:path h="799222" w="4621590">
+              <a:path h="1731663" w="4621590">
                 <a:moveTo>
                   <a:pt x="0" y="0"/>
                 </a:moveTo>
                 <a:lnTo>
-                  <a:pt x="4621591" y="0"/>
+                  <a:pt x="4621590" y="0"/>
                 </a:lnTo>
                 <a:lnTo>
-                  <a:pt x="4621591" y="799222"/>
+                  <a:pt x="4621590" y="1731663"/>
                 </a:lnTo>
                 <a:lnTo>
-                  <a:pt x="0" y="799222"/>
+                  <a:pt x="0" y="1731663"/>
                 </a:lnTo>
                 <a:lnTo>
                   <a:pt x="0" y="0"/>
@@ -12528,186 +12770,14 @@
       </p:sp>
       <p:sp>
         <p:nvSpPr>
-          <p:cNvPr name="TextBox 4" id="4"/>
-          <p:cNvSpPr txBox="true"/>
-          <p:nvPr/>
-        </p:nvSpPr>
-        <p:spPr>
-          <a:xfrm rot="0">
-            <a:off x="207226" y="1066800"/>
-            <a:ext cx="8521080" cy="5162550"/>
-          </a:xfrm>
-          <a:prstGeom prst="rect">
-            <a:avLst/>
-          </a:prstGeom>
-        </p:spPr>
-        <p:txBody>
-          <a:bodyPr anchor="t" rtlCol="false" tIns="0" lIns="0" bIns="0" rIns="0">
-            <a:spAutoFit/>
-          </a:bodyPr>
-          <a:lstStyle/>
-          <a:p>
-            <a:pPr algn="l" marL="738852" indent="-369426" lvl="1">
-              <a:lnSpc>
-                <a:spcPts val="4106"/>
-              </a:lnSpc>
-              <a:buFont typeface="Arial"/>
-              <a:buChar char="•"/>
-            </a:pPr>
-            <a:r>
-              <a:rPr lang="en-US" sz="3422">
-                <a:solidFill>
-                  <a:srgbClr val="111111"/>
-                </a:solidFill>
-                <a:latin typeface="Public Sans Thin"/>
-              </a:rPr>
-              <a:t>Run eqMAC</a:t>
-            </a:r>
-          </a:p>
-          <a:p>
-            <a:pPr algn="l">
-              <a:lnSpc>
-                <a:spcPts val="4106"/>
-              </a:lnSpc>
-            </a:pPr>
-          </a:p>
-          <a:p>
-            <a:pPr algn="l">
-              <a:lnSpc>
-                <a:spcPts val="4106"/>
-              </a:lnSpc>
-            </a:pPr>
-          </a:p>
-          <a:p>
-            <a:pPr algn="l">
-              <a:lnSpc>
-                <a:spcPts val="4106"/>
-              </a:lnSpc>
-            </a:pPr>
-          </a:p>
-          <a:p>
-            <a:pPr algn="l" marL="738852" indent="-369426" lvl="1">
-              <a:lnSpc>
-                <a:spcPts val="4106"/>
-              </a:lnSpc>
-              <a:buFont typeface="Arial"/>
-              <a:buChar char="•"/>
-            </a:pPr>
-            <a:r>
-              <a:rPr lang="en-US" sz="3422">
-                <a:solidFill>
-                  <a:srgbClr val="111111"/>
-                </a:solidFill>
-                <a:latin typeface="Public Sans Thin"/>
-              </a:rPr>
-              <a:t>Click Add Effect</a:t>
-            </a:r>
-          </a:p>
-          <a:p>
-            <a:pPr algn="l" marL="738852" indent="-369426" lvl="1">
-              <a:lnSpc>
-                <a:spcPts val="4106"/>
-              </a:lnSpc>
-              <a:buFont typeface="Arial"/>
-              <a:buChar char="•"/>
-            </a:pPr>
-            <a:r>
-              <a:rPr lang="en-US" sz="3422">
-                <a:solidFill>
-                  <a:srgbClr val="111111"/>
-                </a:solidFill>
-                <a:latin typeface="Public Sans Thin"/>
-              </a:rPr>
-              <a:t>Select Tony Cupolo: </a:t>
-            </a:r>
-            <a:r>
-              <a:rPr lang="en-US" sz="3422">
-                <a:solidFill>
-                  <a:srgbClr val="111111"/>
-                </a:solidFill>
-                <a:latin typeface="Public Sans Bold"/>
-              </a:rPr>
-              <a:t>accessEQ</a:t>
-            </a:r>
-            <a:r>
-              <a:rPr lang="en-US" sz="3422">
-                <a:solidFill>
-                  <a:srgbClr val="111111"/>
-                </a:solidFill>
-                <a:latin typeface="Public Sans Thin"/>
-              </a:rPr>
-              <a:t> 2024A</a:t>
-            </a:r>
-          </a:p>
-          <a:p>
-            <a:pPr algn="l">
-              <a:lnSpc>
-                <a:spcPts val="4106"/>
-              </a:lnSpc>
-            </a:pPr>
-          </a:p>
-          <a:p>
-            <a:pPr algn="l">
-              <a:lnSpc>
-                <a:spcPts val="4106"/>
-              </a:lnSpc>
-            </a:pPr>
-          </a:p>
-          <a:p>
-            <a:pPr algn="l">
-              <a:lnSpc>
-                <a:spcPts val="4106"/>
-              </a:lnSpc>
-            </a:pPr>
-          </a:p>
-          <a:p>
-            <a:pPr algn="l" marL="738852" indent="-369426" lvl="1">
-              <a:lnSpc>
-                <a:spcPts val="4106"/>
-              </a:lnSpc>
-              <a:buFont typeface="Arial"/>
-              <a:buChar char="•"/>
-            </a:pPr>
-            <a:r>
-              <a:rPr lang="en-US" sz="3422">
-                <a:solidFill>
-                  <a:srgbClr val="111111"/>
-                </a:solidFill>
-                <a:latin typeface="Public Sans Thin"/>
-              </a:rPr>
-              <a:t>Enable  Tony Cupolo </a:t>
-            </a:r>
-            <a:r>
-              <a:rPr lang="en-US" sz="3422">
-                <a:solidFill>
-                  <a:srgbClr val="111111"/>
-                </a:solidFill>
-                <a:latin typeface="Public Sans Bold"/>
-              </a:rPr>
-              <a:t>accessEQ</a:t>
-            </a:r>
-            <a:r>
-              <a:rPr lang="en-US" sz="3422">
-                <a:solidFill>
-                  <a:srgbClr val="111111"/>
-                </a:solidFill>
-                <a:latin typeface="Public Sans Thin"/>
-              </a:rPr>
-              <a:t> 2024A</a:t>
-            </a:r>
-          </a:p>
-        </p:txBody>
-      </p:sp>
-      <p:sp>
-        <p:nvSpPr>
-          <p:cNvPr name="Freeform 5" id="5"/>
+          <p:cNvPr name="Freeform 4" id="4"/>
           <p:cNvSpPr/>
           <p:nvPr/>
         </p:nvSpPr>
         <p:spPr>
           <a:xfrm flipH="false" flipV="false" rot="0">
-            <a:off x="4767818" y="4196746"/>
-            <a:ext cx="4638317" cy="861074"/>
+            <a:off x="3552720" y="3976922"/>
+            <a:ext cx="6037374" cy="3161007"/>
           </a:xfrm>
           <a:custGeom>
             <a:avLst/>
@@ -12716,18 +12786,18 @@
             <a:cxnLst/>
             <a:rect r="r" b="b" t="t" l="l"/>
             <a:pathLst>
-              <a:path h="861074" w="4638317">
+              <a:path h="3161007" w="6037374">
                 <a:moveTo>
                   <a:pt x="0" y="0"/>
                 </a:moveTo>
                 <a:lnTo>
-                  <a:pt x="4638317" y="0"/>
+                  <a:pt x="6037374" y="0"/>
                 </a:lnTo>
                 <a:lnTo>
-                  <a:pt x="4638317" y="861074"/>
+                  <a:pt x="6037374" y="3161007"/>
                 </a:lnTo>
                 <a:lnTo>
-                  <a:pt x="0" y="861074"/>
+                  <a:pt x="0" y="3161007"/>
                 </a:lnTo>
                 <a:lnTo>
                   <a:pt x="0" y="0"/>
@@ -12746,53 +12816,7 @@
       </p:sp>
       <p:sp>
         <p:nvSpPr>
-          <p:cNvPr name="Freeform 6" id="6"/>
-          <p:cNvSpPr/>
-          <p:nvPr/>
-        </p:nvSpPr>
-        <p:spPr>
-          <a:xfrm flipH="false" flipV="false" rot="0">
-            <a:off x="4784544" y="1085850"/>
-            <a:ext cx="4621590" cy="1731663"/>
-          </a:xfrm>
-          <a:custGeom>
-            <a:avLst/>
-            <a:gdLst/>
-            <a:ahLst/>
-            <a:cxnLst/>
-            <a:rect r="r" b="b" t="t" l="l"/>
-            <a:pathLst>
-              <a:path h="1731663" w="4621590">
-                <a:moveTo>
-                  <a:pt x="0" y="0"/>
-                </a:moveTo>
-                <a:lnTo>
-                  <a:pt x="4621591" y="0"/>
-                </a:lnTo>
-                <a:lnTo>
-                  <a:pt x="4621591" y="1731663"/>
-                </a:lnTo>
-                <a:lnTo>
-                  <a:pt x="0" y="1731663"/>
-                </a:lnTo>
-                <a:lnTo>
-                  <a:pt x="0" y="0"/>
-                </a:lnTo>
-                <a:close/>
-              </a:path>
-            </a:pathLst>
-          </a:custGeom>
-          <a:blipFill>
-            <a:blip r:embed="rId4"/>
-            <a:stretch>
-              <a:fillRect l="0" t="0" r="0" b="0"/>
-            </a:stretch>
-          </a:blipFill>
-        </p:spPr>
-      </p:sp>
-      <p:sp>
-        <p:nvSpPr>
-          <p:cNvPr name="TextBox 7" id="7"/>
+          <p:cNvPr name="TextBox 5" id="5"/>
           <p:cNvSpPr txBox="true"/>
           <p:nvPr/>
         </p:nvSpPr>
